--- a/두더지잡기_20170724.pptx
+++ b/두더지잡기_20170724.pptx
@@ -7,6 +7,7 @@
   <p:sldIdLst>
     <p:sldId id="257" r:id="rId2"/>
     <p:sldId id="256" r:id="rId3"/>
+    <p:sldId id="258" r:id="rId4"/>
   </p:sldIdLst>
   <p:sldSz cx="12192000" cy="6858000"/>
   <p:notesSz cx="6858000" cy="9144000"/>
@@ -3872,8 +3873,8 @@
         </p:nvSpPr>
         <p:spPr>
           <a:xfrm>
-            <a:off x="10047316" y="1978430"/>
-            <a:ext cx="1911927" cy="1612669"/>
+            <a:off x="10680569" y="2130458"/>
+            <a:ext cx="1278674" cy="1460641"/>
           </a:xfrm>
           <a:prstGeom prst="rect">
             <a:avLst/>
@@ -3910,14 +3911,14 @@
       </p:sp>
       <p:sp>
         <p:nvSpPr>
-          <p:cNvPr id="6" name="직사각형 5"/>
+          <p:cNvPr id="7" name="직사각형 6"/>
           <p:cNvSpPr/>
           <p:nvPr/>
         </p:nvSpPr>
         <p:spPr>
           <a:xfrm>
-            <a:off x="6567054" y="74815"/>
-            <a:ext cx="1579419" cy="964277"/>
+            <a:off x="2033693" y="2158061"/>
+            <a:ext cx="1325727" cy="783887"/>
           </a:xfrm>
           <a:prstGeom prst="rect">
             <a:avLst/>
@@ -3946,7 +3947,7 @@
             <a:pPr algn="ctr"/>
             <a:r>
               <a:rPr lang="en-US" altLang="ko-KR" dirty="0" smtClean="0"/>
-              <a:t>LED off</a:t>
+              <a:t>Check LED on</a:t>
             </a:r>
             <a:endParaRPr lang="ko-KR" altLang="en-US" dirty="0"/>
           </a:p>
@@ -3954,14 +3955,14 @@
       </p:sp>
       <p:sp>
         <p:nvSpPr>
-          <p:cNvPr id="7" name="직사각형 6"/>
+          <p:cNvPr id="8" name="직사각형 7"/>
           <p:cNvSpPr/>
           <p:nvPr/>
         </p:nvSpPr>
         <p:spPr>
           <a:xfrm>
-            <a:off x="3283526" y="74814"/>
-            <a:ext cx="1769241" cy="964277"/>
+            <a:off x="7028941" y="2158062"/>
+            <a:ext cx="1183490" cy="783887"/>
           </a:xfrm>
           <a:prstGeom prst="rect">
             <a:avLst/>
@@ -3990,7 +3991,7 @@
             <a:pPr algn="ctr"/>
             <a:r>
               <a:rPr lang="en-US" altLang="ko-KR" dirty="0" smtClean="0"/>
-              <a:t>Check LED on</a:t>
+              <a:t>Catch LED S</a:t>
             </a:r>
             <a:endParaRPr lang="ko-KR" altLang="en-US" dirty="0"/>
           </a:p>
@@ -3998,14 +3999,14 @@
       </p:sp>
       <p:sp>
         <p:nvSpPr>
-          <p:cNvPr id="8" name="직사각형 7"/>
+          <p:cNvPr id="9" name="직사각형 8"/>
           <p:cNvSpPr/>
           <p:nvPr/>
         </p:nvSpPr>
         <p:spPr>
           <a:xfrm>
-            <a:off x="4027513" y="2277687"/>
-            <a:ext cx="1579419" cy="964277"/>
+            <a:off x="8905334" y="2442052"/>
+            <a:ext cx="1183490" cy="783887"/>
           </a:xfrm>
           <a:prstGeom prst="rect">
             <a:avLst/>
@@ -4034,7 +4035,14 @@
             <a:pPr algn="ctr"/>
             <a:r>
               <a:rPr lang="en-US" altLang="ko-KR" dirty="0" smtClean="0"/>
-              <a:t>Catch LED S</a:t>
+              <a:t>Random</a:t>
+            </a:r>
+          </a:p>
+          <a:p>
+            <a:pPr algn="ctr"/>
+            <a:r>
+              <a:rPr lang="en-US" altLang="ko-KR" dirty="0" smtClean="0"/>
+              <a:t>LED on</a:t>
             </a:r>
             <a:endParaRPr lang="ko-KR" altLang="en-US" dirty="0"/>
           </a:p>
@@ -4042,14 +4050,14 @@
       </p:sp>
       <p:sp>
         <p:nvSpPr>
-          <p:cNvPr id="9" name="직사각형 8"/>
+          <p:cNvPr id="19" name="직사각형 18"/>
           <p:cNvSpPr/>
           <p:nvPr/>
         </p:nvSpPr>
         <p:spPr>
           <a:xfrm>
-            <a:off x="6567052" y="2302627"/>
-            <a:ext cx="1579419" cy="964277"/>
+            <a:off x="7028941" y="3102848"/>
+            <a:ext cx="1183490" cy="783887"/>
           </a:xfrm>
           <a:prstGeom prst="rect">
             <a:avLst/>
@@ -4078,18 +4086,7 @@
             <a:pPr algn="ctr"/>
             <a:r>
               <a:rPr lang="en-US" altLang="ko-KR" dirty="0" smtClean="0"/>
-              <a:t>Random</a:t>
-            </a:r>
-          </a:p>
-          <a:p>
-            <a:pPr algn="ctr"/>
-            <a:r>
-              <a:rPr lang="en-US" altLang="ko-KR" dirty="0" smtClean="0"/>
-              <a:t>LED </a:t>
-            </a:r>
-            <a:r>
-              <a:rPr lang="en-US" altLang="ko-KR" dirty="0" smtClean="0"/>
-              <a:t>on</a:t>
+              <a:t>Catch LED F</a:t>
             </a:r>
             <a:endParaRPr lang="ko-KR" altLang="en-US" dirty="0"/>
           </a:p>
@@ -4097,14 +4094,14 @@
       </p:sp>
       <p:sp>
         <p:nvSpPr>
-          <p:cNvPr id="19" name="직사각형 18"/>
+          <p:cNvPr id="31" name="직사각형 30"/>
           <p:cNvSpPr/>
           <p:nvPr/>
         </p:nvSpPr>
         <p:spPr>
           <a:xfrm>
-            <a:off x="4027512" y="3699161"/>
-            <a:ext cx="1579419" cy="964277"/>
+            <a:off x="5416130" y="2158062"/>
+            <a:ext cx="1183490" cy="783887"/>
           </a:xfrm>
           <a:prstGeom prst="rect">
             <a:avLst/>
@@ -4133,7 +4130,7 @@
             <a:pPr algn="ctr"/>
             <a:r>
               <a:rPr lang="en-US" altLang="ko-KR" dirty="0" smtClean="0"/>
-              <a:t>Catch LED F</a:t>
+              <a:t>FND Up</a:t>
             </a:r>
             <a:endParaRPr lang="ko-KR" altLang="en-US" dirty="0"/>
           </a:p>
@@ -4141,14 +4138,14 @@
       </p:sp>
       <p:sp>
         <p:nvSpPr>
-          <p:cNvPr id="31" name="직사각형 30"/>
+          <p:cNvPr id="32" name="직사각형 31"/>
           <p:cNvSpPr/>
           <p:nvPr/>
         </p:nvSpPr>
         <p:spPr>
           <a:xfrm>
-            <a:off x="2013755" y="2281154"/>
-            <a:ext cx="1579419" cy="964277"/>
+            <a:off x="3788741" y="2158061"/>
+            <a:ext cx="1183490" cy="783887"/>
           </a:xfrm>
           <a:prstGeom prst="rect">
             <a:avLst/>
@@ -4177,7 +4174,7 @@
             <a:pPr algn="ctr"/>
             <a:r>
               <a:rPr lang="en-US" altLang="ko-KR" dirty="0" smtClean="0"/>
-              <a:t>FND Up</a:t>
+              <a:t>LED off</a:t>
             </a:r>
             <a:endParaRPr lang="ko-KR" altLang="en-US" dirty="0"/>
           </a:p>
@@ -4185,14 +4182,14 @@
       </p:sp>
       <p:sp>
         <p:nvSpPr>
-          <p:cNvPr id="32" name="직사각형 31"/>
+          <p:cNvPr id="38" name="직사각형 37"/>
           <p:cNvSpPr/>
           <p:nvPr/>
         </p:nvSpPr>
         <p:spPr>
           <a:xfrm>
-            <a:off x="0" y="2277685"/>
-            <a:ext cx="1579419" cy="964277"/>
+            <a:off x="258458" y="2158061"/>
+            <a:ext cx="1183490" cy="783887"/>
           </a:xfrm>
           <a:prstGeom prst="rect">
             <a:avLst/>
@@ -4221,7 +4218,7 @@
             <a:pPr algn="ctr"/>
             <a:r>
               <a:rPr lang="en-US" altLang="ko-KR" dirty="0" smtClean="0"/>
-              <a:t>LED off</a:t>
+              <a:t>LED on</a:t>
             </a:r>
             <a:endParaRPr lang="ko-KR" altLang="en-US" dirty="0"/>
           </a:p>
@@ -4229,14 +4226,14 @@
       </p:sp>
       <p:sp>
         <p:nvSpPr>
-          <p:cNvPr id="38" name="직사각형 37"/>
+          <p:cNvPr id="42" name="직사각형 41"/>
           <p:cNvSpPr/>
           <p:nvPr/>
         </p:nvSpPr>
         <p:spPr>
           <a:xfrm>
-            <a:off x="-1" y="74814"/>
-            <a:ext cx="1579419" cy="964277"/>
+            <a:off x="5416130" y="3102847"/>
+            <a:ext cx="1183490" cy="783887"/>
           </a:xfrm>
           <a:prstGeom prst="rect">
             <a:avLst/>
@@ -4265,7 +4262,7 @@
             <a:pPr algn="ctr"/>
             <a:r>
               <a:rPr lang="en-US" altLang="ko-KR" dirty="0" smtClean="0"/>
-              <a:t>LED on</a:t>
+              <a:t>All LED on</a:t>
             </a:r>
             <a:endParaRPr lang="ko-KR" altLang="en-US" dirty="0"/>
           </a:p>
@@ -4273,14 +4270,14 @@
       </p:sp>
       <p:sp>
         <p:nvSpPr>
-          <p:cNvPr id="42" name="직사각형 41"/>
+          <p:cNvPr id="45" name="직사각형 44"/>
           <p:cNvSpPr/>
           <p:nvPr/>
         </p:nvSpPr>
         <p:spPr>
           <a:xfrm>
-            <a:off x="2013756" y="3699163"/>
-            <a:ext cx="1579419" cy="964277"/>
+            <a:off x="3788741" y="3102847"/>
+            <a:ext cx="1183490" cy="783887"/>
           </a:xfrm>
           <a:prstGeom prst="rect">
             <a:avLst/>
@@ -4309,7 +4306,7 @@
             <a:pPr algn="ctr"/>
             <a:r>
               <a:rPr lang="en-US" altLang="ko-KR" dirty="0" smtClean="0"/>
-              <a:t>All LED on</a:t>
+              <a:t>FND clear</a:t>
             </a:r>
             <a:endParaRPr lang="ko-KR" altLang="en-US" dirty="0"/>
           </a:p>
@@ -4317,14 +4314,14 @@
       </p:sp>
       <p:sp>
         <p:nvSpPr>
-          <p:cNvPr id="45" name="직사각형 44"/>
+          <p:cNvPr id="64" name="직사각형 63"/>
           <p:cNvSpPr/>
           <p:nvPr/>
         </p:nvSpPr>
         <p:spPr>
           <a:xfrm>
-            <a:off x="-2" y="3699160"/>
-            <a:ext cx="1579419" cy="964277"/>
+            <a:off x="2161352" y="3102847"/>
+            <a:ext cx="1183490" cy="783887"/>
           </a:xfrm>
           <a:prstGeom prst="rect">
             <a:avLst/>
@@ -4353,63 +4350,14 @@
             <a:pPr algn="ctr"/>
             <a:r>
               <a:rPr lang="en-US" altLang="ko-KR" dirty="0" smtClean="0"/>
-              <a:t>FND clear</a:t>
-            </a:r>
-            <a:endParaRPr lang="ko-KR" altLang="en-US" dirty="0"/>
-          </a:p>
-        </p:txBody>
-      </p:sp>
-      <p:sp>
-        <p:nvSpPr>
-          <p:cNvPr id="64" name="직사각형 63"/>
-          <p:cNvSpPr/>
-          <p:nvPr/>
-        </p:nvSpPr>
-        <p:spPr>
-          <a:xfrm>
-            <a:off x="-3" y="5145573"/>
-            <a:ext cx="1579419" cy="964277"/>
-          </a:xfrm>
-          <a:prstGeom prst="rect">
-            <a:avLst/>
-          </a:prstGeom>
-        </p:spPr>
-        <p:style>
-          <a:lnRef idx="2">
-            <a:schemeClr val="accent1">
-              <a:shade val="50000"/>
-            </a:schemeClr>
-          </a:lnRef>
-          <a:fillRef idx="1">
-            <a:schemeClr val="accent1"/>
-          </a:fillRef>
-          <a:effectRef idx="0">
-            <a:schemeClr val="accent1"/>
-          </a:effectRef>
-          <a:fontRef idx="minor">
-            <a:schemeClr val="lt1"/>
-          </a:fontRef>
-        </p:style>
-        <p:txBody>
-          <a:bodyPr rtlCol="0" anchor="ctr"/>
-          <a:lstStyle/>
+              <a:t>Random</a:t>
+            </a:r>
+          </a:p>
           <a:p>
             <a:pPr algn="ctr"/>
             <a:r>
               <a:rPr lang="en-US" altLang="ko-KR" dirty="0" smtClean="0"/>
-              <a:t>Random</a:t>
-            </a:r>
-            <a:endParaRPr lang="en-US" altLang="ko-KR" dirty="0" smtClean="0"/>
-          </a:p>
-          <a:p>
-            <a:pPr algn="ctr"/>
-            <a:r>
-              <a:rPr lang="en-US" altLang="ko-KR" dirty="0" smtClean="0"/>
-              <a:t>LED </a:t>
-            </a:r>
-            <a:r>
-              <a:rPr lang="en-US" altLang="ko-KR" dirty="0" smtClean="0"/>
-              <a:t>on</a:t>
+              <a:t>LED on</a:t>
             </a:r>
             <a:endParaRPr lang="ko-KR" altLang="en-US" dirty="0"/>
           </a:p>
@@ -4419,15 +4367,15 @@
         <p:nvCxnSpPr>
           <p:cNvPr id="73" name="직선 화살표 연결선 72"/>
           <p:cNvCxnSpPr>
-            <a:stCxn id="5" idx="1"/>
-            <a:endCxn id="6" idx="3"/>
+            <a:stCxn id="32" idx="1"/>
+            <a:endCxn id="7" idx="3"/>
           </p:cNvCxnSpPr>
           <p:nvPr/>
         </p:nvCxnSpPr>
         <p:spPr>
-          <a:xfrm flipH="1" flipV="1">
-            <a:off x="8146473" y="556954"/>
-            <a:ext cx="1900843" cy="2227811"/>
+          <a:xfrm flipH="1">
+            <a:off x="3359420" y="2550005"/>
+            <a:ext cx="429321" cy="0"/>
           </a:xfrm>
           <a:prstGeom prst="straightConnector1">
             <a:avLst/>
@@ -4461,45 +4409,9 @@
           <p:nvPr/>
         </p:nvCxnSpPr>
         <p:spPr>
-          <a:xfrm flipH="1">
-            <a:off x="8146471" y="2784765"/>
-            <a:ext cx="1900845" cy="1"/>
-          </a:xfrm>
-          <a:prstGeom prst="straightConnector1">
-            <a:avLst/>
-          </a:prstGeom>
-          <a:ln>
-            <a:tailEnd type="triangle"/>
-          </a:ln>
-        </p:spPr>
-        <p:style>
-          <a:lnRef idx="3">
-            <a:schemeClr val="dk1"/>
-          </a:lnRef>
-          <a:fillRef idx="0">
-            <a:schemeClr val="dk1"/>
-          </a:fillRef>
-          <a:effectRef idx="2">
-            <a:schemeClr val="dk1"/>
-          </a:effectRef>
-          <a:fontRef idx="minor">
-            <a:schemeClr val="tx1"/>
-          </a:fontRef>
-        </p:style>
-      </p:cxnSp>
-      <p:cxnSp>
-        <p:nvCxnSpPr>
-          <p:cNvPr id="78" name="직선 화살표 연결선 77"/>
-          <p:cNvCxnSpPr>
-            <a:stCxn id="6" idx="1"/>
-            <a:endCxn id="7" idx="3"/>
-          </p:cNvCxnSpPr>
-          <p:nvPr/>
-        </p:nvCxnSpPr>
-        <p:spPr>
           <a:xfrm flipH="1" flipV="1">
-            <a:off x="5052767" y="556953"/>
-            <a:ext cx="1514287" cy="1"/>
+            <a:off x="10088824" y="2833996"/>
+            <a:ext cx="591745" cy="26783"/>
           </a:xfrm>
           <a:prstGeom prst="straightConnector1">
             <a:avLst/>
@@ -4534,8 +4446,8 @@
         </p:nvCxnSpPr>
         <p:spPr>
           <a:xfrm flipH="1">
-            <a:off x="1579418" y="556953"/>
-            <a:ext cx="1704108" cy="0"/>
+            <a:off x="1441948" y="2550005"/>
+            <a:ext cx="591745" cy="0"/>
           </a:xfrm>
           <a:prstGeom prst="straightConnector1">
             <a:avLst/>
@@ -4570,8 +4482,8 @@
         </p:nvCxnSpPr>
         <p:spPr>
           <a:xfrm flipH="1" flipV="1">
-            <a:off x="5606932" y="2759826"/>
-            <a:ext cx="960120" cy="24940"/>
+            <a:off x="8212431" y="2550006"/>
+            <a:ext cx="692903" cy="283990"/>
           </a:xfrm>
           <a:prstGeom prst="straightConnector1">
             <a:avLst/>
@@ -4606,8 +4518,8 @@
         </p:nvCxnSpPr>
         <p:spPr>
           <a:xfrm flipH="1">
-            <a:off x="5606931" y="2784766"/>
-            <a:ext cx="960121" cy="1396534"/>
+            <a:off x="8212431" y="2833996"/>
+            <a:ext cx="692903" cy="660796"/>
           </a:xfrm>
           <a:prstGeom prst="straightConnector1">
             <a:avLst/>
@@ -4642,8 +4554,8 @@
         </p:nvCxnSpPr>
         <p:spPr>
           <a:xfrm flipH="1">
-            <a:off x="3593174" y="2759826"/>
-            <a:ext cx="434339" cy="3467"/>
+            <a:off x="6599620" y="2550006"/>
+            <a:ext cx="429321" cy="0"/>
           </a:xfrm>
           <a:prstGeom prst="straightConnector1">
             <a:avLst/>
@@ -4678,8 +4590,8 @@
         </p:nvCxnSpPr>
         <p:spPr>
           <a:xfrm flipH="1" flipV="1">
-            <a:off x="1579419" y="2759824"/>
-            <a:ext cx="434336" cy="3469"/>
+            <a:off x="4972231" y="2550005"/>
+            <a:ext cx="443899" cy="1"/>
           </a:xfrm>
           <a:prstGeom prst="straightConnector1">
             <a:avLst/>
@@ -4713,9 +4625,9 @@
           <p:nvPr/>
         </p:nvCxnSpPr>
         <p:spPr>
-          <a:xfrm flipH="1">
-            <a:off x="3593175" y="4181300"/>
-            <a:ext cx="434337" cy="2"/>
+          <a:xfrm flipH="1" flipV="1">
+            <a:off x="6599620" y="3494791"/>
+            <a:ext cx="429321" cy="1"/>
           </a:xfrm>
           <a:prstGeom prst="straightConnector1">
             <a:avLst/>
@@ -4749,9 +4661,9 @@
           <p:nvPr/>
         </p:nvCxnSpPr>
         <p:spPr>
-          <a:xfrm flipH="1" flipV="1">
-            <a:off x="1579417" y="4181299"/>
-            <a:ext cx="434339" cy="3"/>
+          <a:xfrm flipH="1">
+            <a:off x="4972231" y="3494791"/>
+            <a:ext cx="443899" cy="0"/>
           </a:xfrm>
           <a:prstGeom prst="straightConnector1">
             <a:avLst/>
@@ -4779,15 +4691,15 @@
         <p:nvCxnSpPr>
           <p:cNvPr id="96" name="직선 화살표 연결선 95"/>
           <p:cNvCxnSpPr>
-            <a:stCxn id="45" idx="2"/>
-            <a:endCxn id="64" idx="0"/>
+            <a:stCxn id="45" idx="1"/>
+            <a:endCxn id="64" idx="3"/>
           </p:cNvCxnSpPr>
           <p:nvPr/>
         </p:nvCxnSpPr>
         <p:spPr>
           <a:xfrm flipH="1">
-            <a:off x="789707" y="4663437"/>
-            <a:ext cx="1" cy="482136"/>
+            <a:off x="3344842" y="3494791"/>
+            <a:ext cx="443899" cy="0"/>
           </a:xfrm>
           <a:prstGeom prst="straightConnector1">
             <a:avLst/>
@@ -4858,6 +4770,86 @@
       </p:par>
     </p:tnLst>
   </p:timing>
+</p:sld>
+</file>
+
+<file path=ppt/slides/slide3.xml><?xml version="1.0" encoding="utf-8"?>
+<p:sld xmlns:a="http://schemas.openxmlformats.org/drawingml/2006/main" xmlns:r="http://schemas.openxmlformats.org/officeDocument/2006/relationships" xmlns:p="http://schemas.openxmlformats.org/presentationml/2006/main">
+  <p:cSld>
+    <p:spTree>
+      <p:nvGrpSpPr>
+        <p:cNvPr id="1" name=""/>
+        <p:cNvGrpSpPr/>
+        <p:nvPr/>
+      </p:nvGrpSpPr>
+      <p:grpSpPr>
+        <a:xfrm>
+          <a:off x="0" y="0"/>
+          <a:ext cx="0" cy="0"/>
+          <a:chOff x="0" y="0"/>
+          <a:chExt cx="0" cy="0"/>
+        </a:xfrm>
+      </p:grpSpPr>
+      <p:sp>
+        <p:nvSpPr>
+          <p:cNvPr id="2" name="제목 1"/>
+          <p:cNvSpPr>
+            <a:spLocks noGrp="1"/>
+          </p:cNvSpPr>
+          <p:nvPr>
+            <p:ph type="title"/>
+          </p:nvPr>
+        </p:nvSpPr>
+        <p:spPr/>
+        <p:txBody>
+          <a:bodyPr/>
+          <a:lstStyle/>
+          <a:p>
+            <a:r>
+              <a:rPr lang="ko-KR" altLang="en-US" dirty="0" smtClean="0"/>
+              <a:t>업데이트 현황</a:t>
+            </a:r>
+            <a:endParaRPr lang="ko-KR" altLang="en-US" dirty="0"/>
+          </a:p>
+        </p:txBody>
+      </p:sp>
+      <p:sp>
+        <p:nvSpPr>
+          <p:cNvPr id="3" name="내용 개체 틀 2"/>
+          <p:cNvSpPr>
+            <a:spLocks noGrp="1"/>
+          </p:cNvSpPr>
+          <p:nvPr>
+            <p:ph idx="1"/>
+          </p:nvPr>
+        </p:nvSpPr>
+        <p:spPr/>
+        <p:txBody>
+          <a:bodyPr/>
+          <a:lstStyle/>
+          <a:p>
+            <a:r>
+              <a:rPr lang="ko-KR" altLang="en-US" dirty="0" err="1" smtClean="0"/>
+              <a:t>플로우</a:t>
+            </a:r>
+            <a:r>
+              <a:rPr lang="ko-KR" altLang="en-US" dirty="0" smtClean="0"/>
+              <a:t> 차트 모습을 변화</a:t>
+            </a:r>
+            <a:endParaRPr lang="ko-KR" altLang="en-US" dirty="0"/>
+          </a:p>
+        </p:txBody>
+      </p:sp>
+    </p:spTree>
+    <p:extLst>
+      <p:ext uri="{BB962C8B-B14F-4D97-AF65-F5344CB8AC3E}">
+        <p14:creationId xmlns:p14="http://schemas.microsoft.com/office/powerpoint/2010/main" val="1265029250"/>
+      </p:ext>
+    </p:extLst>
+  </p:cSld>
+  <p:clrMapOvr>
+    <a:masterClrMapping/>
+  </p:clrMapOvr>
 </p:sld>
 </file>
 
